--- a/Theory CLass Notes/Module-1.pptx
+++ b/Theory CLass Notes/Module-1.pptx
@@ -57,13 +57,13 @@
     <p:sldId id="493" r:id="rId48"/>
     <p:sldId id="494" r:id="rId49"/>
     <p:sldId id="495" r:id="rId50"/>
-    <p:sldId id="471" r:id="rId51"/>
-    <p:sldId id="498" r:id="rId52"/>
-    <p:sldId id="496" r:id="rId53"/>
-    <p:sldId id="499" r:id="rId54"/>
-    <p:sldId id="484" r:id="rId55"/>
-    <p:sldId id="501" r:id="rId56"/>
-    <p:sldId id="502" r:id="rId57"/>
+    <p:sldId id="498" r:id="rId51"/>
+    <p:sldId id="496" r:id="rId52"/>
+    <p:sldId id="499" r:id="rId53"/>
+    <p:sldId id="484" r:id="rId54"/>
+    <p:sldId id="501" r:id="rId55"/>
+    <p:sldId id="502" r:id="rId56"/>
+    <p:sldId id="471" r:id="rId57"/>
     <p:sldId id="500" r:id="rId58"/>
     <p:sldId id="503" r:id="rId59"/>
     <p:sldId id="470" r:id="rId60"/>
@@ -255,7 +255,7 @@
           <a:p>
             <a:fld id="{61532AF1-4615-4667-912A-829B12F8C4D2}" type="datetimeFigureOut">
               <a:rPr lang="en-IN" smtClean="0"/>
-              <a:t>22-12-2024</a:t>
+              <a:t>29-12-2024</a:t>
             </a:fld>
             <a:endParaRPr lang="en-IN"/>
           </a:p>
@@ -672,7 +672,7 @@
           <a:p>
             <a:fld id="{C43A76A3-ADC8-4477-8FC1-B9DD55D84908}" type="datetime1">
               <a:rPr lang="en-US" smtClean="0"/>
-              <a:t>12/22/2024</a:t>
+              <a:t>12/29/2024</a:t>
             </a:fld>
             <a:endParaRPr lang="en-US" dirty="0"/>
           </a:p>
@@ -870,7 +870,7 @@
           <a:p>
             <a:fld id="{D6762538-DC4D-4667-96E5-B3278DDF8B12}" type="datetime1">
               <a:rPr lang="en-US" smtClean="0"/>
-              <a:t>12/22/2024</a:t>
+              <a:t>12/29/2024</a:t>
             </a:fld>
             <a:endParaRPr lang="en-US"/>
           </a:p>
@@ -1078,7 +1078,7 @@
           <a:p>
             <a:fld id="{05880548-5C08-4BE3-B63E-F2BB63B0B00C}" type="datetime1">
               <a:rPr lang="en-US" smtClean="0"/>
-              <a:t>12/22/2024</a:t>
+              <a:t>12/29/2024</a:t>
             </a:fld>
             <a:endParaRPr lang="en-US"/>
           </a:p>
@@ -1276,7 +1276,7 @@
           <a:p>
             <a:fld id="{DE7F49BE-398D-479A-8A7E-5DDBCA61EDCB}" type="datetime1">
               <a:rPr lang="en-US" smtClean="0"/>
-              <a:t>12/22/2024</a:t>
+              <a:t>12/29/2024</a:t>
             </a:fld>
             <a:endParaRPr lang="en-US" dirty="0"/>
           </a:p>
@@ -1552,7 +1552,7 @@
           <a:p>
             <a:fld id="{CCD0C193-4974-4A1F-9C63-07D595E30D66}" type="datetime1">
               <a:rPr lang="en-US" smtClean="0"/>
-              <a:t>12/22/2024</a:t>
+              <a:t>12/29/2024</a:t>
             </a:fld>
             <a:endParaRPr lang="en-US"/>
           </a:p>
@@ -1819,7 +1819,7 @@
           <a:p>
             <a:fld id="{701AA87F-28D4-4BF0-B81F-877A89DFD5AC}" type="datetime1">
               <a:rPr lang="en-US" smtClean="0"/>
-              <a:t>12/22/2024</a:t>
+              <a:t>12/29/2024</a:t>
             </a:fld>
             <a:endParaRPr lang="en-US"/>
           </a:p>
@@ -2233,7 +2233,7 @@
           <a:p>
             <a:fld id="{A8A9F1F3-208B-49A3-B337-9C8ACEB3E0E1}" type="datetime1">
               <a:rPr lang="en-US" smtClean="0"/>
-              <a:t>12/22/2024</a:t>
+              <a:t>12/29/2024</a:t>
             </a:fld>
             <a:endParaRPr lang="en-US"/>
           </a:p>
@@ -2380,7 +2380,7 @@
           <a:p>
             <a:fld id="{27AF6CA6-7293-4AA2-A0E0-A3BF4416E786}" type="datetime1">
               <a:rPr lang="en-US" smtClean="0"/>
-              <a:t>12/22/2024</a:t>
+              <a:t>12/29/2024</a:t>
             </a:fld>
             <a:endParaRPr lang="en-US"/>
           </a:p>
@@ -2493,7 +2493,7 @@
           <a:p>
             <a:fld id="{98D87016-7BCD-46FB-8EE3-AB6C369108B4}" type="datetime1">
               <a:rPr lang="en-US" smtClean="0"/>
-              <a:t>12/22/2024</a:t>
+              <a:t>12/29/2024</a:t>
             </a:fld>
             <a:endParaRPr lang="en-US"/>
           </a:p>
@@ -2812,7 +2812,7 @@
           <a:p>
             <a:fld id="{A1547011-1FFC-4EF8-9A2E-53B4AD2ADBD4}" type="datetime1">
               <a:rPr lang="en-US" smtClean="0"/>
-              <a:t>12/22/2024</a:t>
+              <a:t>12/29/2024</a:t>
             </a:fld>
             <a:endParaRPr lang="en-US"/>
           </a:p>
@@ -3107,7 +3107,7 @@
           <a:p>
             <a:fld id="{9562EB47-45B4-4EF5-A743-B4885DD2F060}" type="datetime1">
               <a:rPr lang="en-US" smtClean="0"/>
-              <a:t>12/22/2024</a:t>
+              <a:t>12/29/2024</a:t>
             </a:fld>
             <a:endParaRPr lang="en-US"/>
           </a:p>
@@ -4492,7 +4492,7 @@
           <a:p>
             <a:fld id="{4A8D24A4-5FEC-4062-8995-EB21925B3B40}" type="datetime1">
               <a:rPr lang="en-US" smtClean="0"/>
-              <a:t>12/22/2024</a:t>
+              <a:t>12/29/2024</a:t>
             </a:fld>
             <a:endParaRPr lang="en-US" sz="1000" dirty="0"/>
           </a:p>
@@ -17899,198 +17899,6 @@
         <p:cNvPr id="1" name="">
           <a:extLst>
             <a:ext uri="{FF2B5EF4-FFF2-40B4-BE49-F238E27FC236}">
-              <a16:creationId xmlns:a16="http://schemas.microsoft.com/office/drawing/2014/main" id="{04F9D263-0FCF-031F-A3F8-7BBB0C67F5A9}"/>
-            </a:ext>
-          </a:extLst>
-        </p:cNvPr>
-        <p:cNvGrpSpPr/>
-        <p:nvPr/>
-      </p:nvGrpSpPr>
-      <p:grpSpPr>
-        <a:xfrm>
-          <a:off x="0" y="0"/>
-          <a:ext cx="0" cy="0"/>
-          <a:chOff x="0" y="0"/>
-          <a:chExt cx="0" cy="0"/>
-        </a:xfrm>
-      </p:grpSpPr>
-      <p:sp>
-        <p:nvSpPr>
-          <p:cNvPr id="3" name="Content Placeholder 2">
-            <a:extLst>
-              <a:ext uri="{FF2B5EF4-FFF2-40B4-BE49-F238E27FC236}">
-                <a16:creationId xmlns:a16="http://schemas.microsoft.com/office/drawing/2014/main" id="{C8F4CEC6-0FF2-C86F-2BBF-6530940D3633}"/>
-              </a:ext>
-            </a:extLst>
-          </p:cNvPr>
-          <p:cNvSpPr>
-            <a:spLocks noGrp="1"/>
-          </p:cNvSpPr>
-          <p:nvPr>
-            <p:ph idx="1"/>
-          </p:nvPr>
-        </p:nvSpPr>
-        <p:spPr>
-          <a:xfrm>
-            <a:off x="702853" y="719137"/>
-            <a:ext cx="10900568" cy="5313801"/>
-          </a:xfrm>
-        </p:spPr>
-        <p:txBody>
-          <a:bodyPr>
-            <a:normAutofit/>
-          </a:bodyPr>
-          <a:lstStyle/>
-          <a:p>
-            <a:pPr marL="0" indent="0">
-              <a:buNone/>
-            </a:pPr>
-            <a:r>
-              <a:rPr lang="en-US" sz="3200" b="1" dirty="0">
-                <a:solidFill>
-                  <a:srgbClr val="C00000"/>
-                </a:solidFill>
-              </a:rPr>
-              <a:t>UNIT-I</a:t>
-            </a:r>
-            <a:r>
-              <a:rPr lang="en-IN" sz="3200" b="1" dirty="0">
-                <a:solidFill>
-                  <a:srgbClr val="C00000"/>
-                </a:solidFill>
-              </a:rPr>
-              <a:t>:</a:t>
-            </a:r>
-          </a:p>
-          <a:p>
-            <a:pPr marL="0" indent="0">
-              <a:buNone/>
-            </a:pPr>
-            <a:r>
-              <a:rPr lang="en-IN" sz="3200" b="1" dirty="0"/>
-              <a:t>Introduction:</a:t>
-            </a:r>
-            <a:r>
-              <a:rPr lang="en-IN" sz="3200" dirty="0"/>
-              <a:t> </a:t>
-            </a:r>
-            <a:r>
-              <a:rPr lang="en-IN" sz="3200" b="1" dirty="0"/>
-              <a:t>Features and advantages of Node JS</a:t>
-            </a:r>
-            <a:r>
-              <a:rPr lang="en-IN" sz="3200" dirty="0"/>
-              <a:t>, </a:t>
-            </a:r>
-            <a:r>
-              <a:rPr lang="en-IN" sz="3200" b="1" dirty="0"/>
-              <a:t>Traditional Web Server Model</a:t>
-            </a:r>
-            <a:r>
-              <a:rPr lang="en-IN" sz="3200" dirty="0"/>
-              <a:t>, </a:t>
-            </a:r>
-            <a:r>
-              <a:rPr lang="en-IN" sz="3200" b="1" dirty="0"/>
-              <a:t>Node.js Process Model</a:t>
-            </a:r>
-            <a:r>
-              <a:rPr lang="en-IN" sz="3200" dirty="0"/>
-              <a:t>, </a:t>
-            </a:r>
-            <a:r>
-              <a:rPr lang="en-IN" sz="3200" b="1" dirty="0"/>
-              <a:t>Asynchronous programming with Node.js</a:t>
-            </a:r>
-            <a:r>
-              <a:rPr lang="en-IN" sz="3200" dirty="0"/>
-              <a:t>, </a:t>
-            </a:r>
-            <a:r>
-              <a:rPr lang="en-IN" sz="3200" b="1" dirty="0"/>
-              <a:t>Types of applications that can be developed using Node.js. </a:t>
-            </a:r>
-          </a:p>
-          <a:p>
-            <a:pPr marL="0" indent="0">
-              <a:buNone/>
-            </a:pPr>
-            <a:r>
-              <a:rPr lang="en-IN" sz="3200" b="1" dirty="0"/>
-              <a:t>Setup Development Environment:</a:t>
-            </a:r>
-            <a:r>
-              <a:rPr lang="en-IN" sz="3200" dirty="0"/>
-              <a:t> </a:t>
-            </a:r>
-            <a:r>
-              <a:rPr lang="en-IN" sz="3200" b="1" dirty="0"/>
-              <a:t>Install Node.js on Windows</a:t>
-            </a:r>
-            <a:r>
-              <a:rPr lang="en-IN" sz="3200" dirty="0"/>
-              <a:t>, </a:t>
-            </a:r>
-            <a:r>
-              <a:rPr lang="en-IN" sz="3200" b="1" dirty="0"/>
-              <a:t>working in REPL</a:t>
-            </a:r>
-            <a:r>
-              <a:rPr lang="en-IN" sz="3200" dirty="0"/>
-              <a:t>, </a:t>
-            </a:r>
-            <a:r>
-              <a:rPr lang="en-IN" sz="3200" b="1" dirty="0"/>
-              <a:t>Node JS Console</a:t>
-            </a:r>
-            <a:r>
-              <a:rPr lang="en-IN" sz="3200" dirty="0"/>
-              <a:t>, </a:t>
-            </a:r>
-            <a:r>
-              <a:rPr lang="en-IN" sz="3200" b="1" dirty="0"/>
-              <a:t>Creating a Node File with JavaScript</a:t>
-            </a:r>
-            <a:r>
-              <a:rPr lang="en-IN" sz="3200" dirty="0"/>
-              <a:t>, </a:t>
-            </a:r>
-            <a:r>
-              <a:rPr lang="en-IN" sz="3200" b="1" dirty="0"/>
-              <a:t>Accessing a Node.js File Through the Command Line Interface</a:t>
-            </a:r>
-            <a:r>
-              <a:rPr lang="en-IN" sz="3200" dirty="0"/>
-              <a:t>, </a:t>
-            </a:r>
-            <a:r>
-              <a:rPr lang="en-IN" sz="3200" b="1" dirty="0"/>
-              <a:t>Using Node.js in Net- Beans IDE. </a:t>
-            </a:r>
-          </a:p>
-        </p:txBody>
-      </p:sp>
-    </p:spTree>
-    <p:extLst>
-      <p:ext uri="{BB962C8B-B14F-4D97-AF65-F5344CB8AC3E}">
-        <p14:creationId xmlns:p14="http://schemas.microsoft.com/office/powerpoint/2010/main" val="1403488016"/>
-      </p:ext>
-    </p:extLst>
-  </p:cSld>
-  <p:clrMapOvr>
-    <a:masterClrMapping/>
-  </p:clrMapOvr>
-</p:sld>
-</file>
-
-<file path=ppt/slides/slide51.xml><?xml version="1.0" encoding="utf-8"?>
-<p:sld xmlns:a="http://schemas.openxmlformats.org/drawingml/2006/main" xmlns:r="http://schemas.openxmlformats.org/officeDocument/2006/relationships" xmlns:p="http://schemas.openxmlformats.org/presentationml/2006/main">
-  <p:cSld>
-    <p:spTree>
-      <p:nvGrpSpPr>
-        <p:cNvPr id="1" name="">
-          <a:extLst>
-            <a:ext uri="{FF2B5EF4-FFF2-40B4-BE49-F238E27FC236}">
               <a16:creationId xmlns:a16="http://schemas.microsoft.com/office/drawing/2014/main" id="{E83F17EA-4BD4-7ACB-F35A-2B3A8668623F}"/>
             </a:ext>
           </a:extLst>
@@ -18165,7 +17973,7 @@
 </p:sld>
 </file>
 
-<file path=ppt/slides/slide52.xml><?xml version="1.0" encoding="utf-8"?>
+<file path=ppt/slides/slide51.xml><?xml version="1.0" encoding="utf-8"?>
 <p:sld xmlns:a="http://schemas.openxmlformats.org/drawingml/2006/main" xmlns:r="http://schemas.openxmlformats.org/officeDocument/2006/relationships" xmlns:p="http://schemas.openxmlformats.org/presentationml/2006/main">
   <p:cSld>
     <p:spTree>
@@ -18420,7 +18228,7 @@
 </p:sld>
 </file>
 
-<file path=ppt/slides/slide53.xml><?xml version="1.0" encoding="utf-8"?>
+<file path=ppt/slides/slide52.xml><?xml version="1.0" encoding="utf-8"?>
 <p:sld xmlns:a="http://schemas.openxmlformats.org/drawingml/2006/main" xmlns:r="http://schemas.openxmlformats.org/officeDocument/2006/relationships" xmlns:p="http://schemas.openxmlformats.org/presentationml/2006/main">
   <p:cSld>
     <p:spTree>
@@ -18645,7 +18453,7 @@
 </p:sld>
 </file>
 
-<file path=ppt/slides/slide54.xml><?xml version="1.0" encoding="utf-8"?>
+<file path=ppt/slides/slide53.xml><?xml version="1.0" encoding="utf-8"?>
 <p:sld xmlns:a="http://schemas.openxmlformats.org/drawingml/2006/main" xmlns:r="http://schemas.openxmlformats.org/officeDocument/2006/relationships" xmlns:p="http://schemas.openxmlformats.org/presentationml/2006/main">
   <p:cSld>
     <p:spTree>
@@ -18790,7 +18598,7 @@
 </p:sld>
 </file>
 
-<file path=ppt/slides/slide55.xml><?xml version="1.0" encoding="utf-8"?>
+<file path=ppt/slides/slide54.xml><?xml version="1.0" encoding="utf-8"?>
 <p:sld xmlns:a="http://schemas.openxmlformats.org/drawingml/2006/main" xmlns:r="http://schemas.openxmlformats.org/officeDocument/2006/relationships" xmlns:p="http://schemas.openxmlformats.org/presentationml/2006/main">
   <p:cSld>
     <p:spTree>
@@ -19114,7 +18922,7 @@
 </p:sld>
 </file>
 
-<file path=ppt/slides/slide56.xml><?xml version="1.0" encoding="utf-8"?>
+<file path=ppt/slides/slide55.xml><?xml version="1.0" encoding="utf-8"?>
 <p:sld xmlns:a="http://schemas.openxmlformats.org/drawingml/2006/main" xmlns:r="http://schemas.openxmlformats.org/officeDocument/2006/relationships" xmlns:p="http://schemas.openxmlformats.org/presentationml/2006/main">
   <p:cSld>
     <p:spTree>
@@ -19243,6 +19051,118 @@
     <p:extLst>
       <p:ext uri="{BB962C8B-B14F-4D97-AF65-F5344CB8AC3E}">
         <p14:creationId xmlns:p14="http://schemas.microsoft.com/office/powerpoint/2010/main" val="2064815882"/>
+      </p:ext>
+    </p:extLst>
+  </p:cSld>
+  <p:clrMapOvr>
+    <a:masterClrMapping/>
+  </p:clrMapOvr>
+</p:sld>
+</file>
+
+<file path=ppt/slides/slide56.xml><?xml version="1.0" encoding="utf-8"?>
+<p:sld xmlns:a="http://schemas.openxmlformats.org/drawingml/2006/main" xmlns:r="http://schemas.openxmlformats.org/officeDocument/2006/relationships" xmlns:p="http://schemas.openxmlformats.org/presentationml/2006/main">
+  <p:cSld>
+    <p:spTree>
+      <p:nvGrpSpPr>
+        <p:cNvPr id="1" name="">
+          <a:extLst>
+            <a:ext uri="{FF2B5EF4-FFF2-40B4-BE49-F238E27FC236}">
+              <a16:creationId xmlns:a16="http://schemas.microsoft.com/office/drawing/2014/main" id="{04F9D263-0FCF-031F-A3F8-7BBB0C67F5A9}"/>
+            </a:ext>
+          </a:extLst>
+        </p:cNvPr>
+        <p:cNvGrpSpPr/>
+        <p:nvPr/>
+      </p:nvGrpSpPr>
+      <p:grpSpPr>
+        <a:xfrm>
+          <a:off x="0" y="0"/>
+          <a:ext cx="0" cy="0"/>
+          <a:chOff x="0" y="0"/>
+          <a:chExt cx="0" cy="0"/>
+        </a:xfrm>
+      </p:grpSpPr>
+      <p:sp>
+        <p:nvSpPr>
+          <p:cNvPr id="3" name="Content Placeholder 2">
+            <a:extLst>
+              <a:ext uri="{FF2B5EF4-FFF2-40B4-BE49-F238E27FC236}">
+                <a16:creationId xmlns:a16="http://schemas.microsoft.com/office/drawing/2014/main" id="{C8F4CEC6-0FF2-C86F-2BBF-6530940D3633}"/>
+              </a:ext>
+            </a:extLst>
+          </p:cNvPr>
+          <p:cNvSpPr>
+            <a:spLocks noGrp="1"/>
+          </p:cNvSpPr>
+          <p:nvPr>
+            <p:ph idx="1"/>
+          </p:nvPr>
+        </p:nvSpPr>
+        <p:spPr>
+          <a:xfrm>
+            <a:off x="702853" y="719137"/>
+            <a:ext cx="10900568" cy="5313801"/>
+          </a:xfrm>
+        </p:spPr>
+        <p:txBody>
+          <a:bodyPr>
+            <a:normAutofit/>
+          </a:bodyPr>
+          <a:lstStyle/>
+          <a:p>
+            <a:pPr marL="0" indent="0">
+              <a:buNone/>
+            </a:pPr>
+            <a:r>
+              <a:rPr lang="en-US" sz="3200" b="1" dirty="0">
+                <a:solidFill>
+                  <a:srgbClr val="C00000"/>
+                </a:solidFill>
+              </a:rPr>
+              <a:t>UNIT-I</a:t>
+            </a:r>
+            <a:r>
+              <a:rPr lang="en-IN" sz="3200" b="1" dirty="0">
+                <a:solidFill>
+                  <a:srgbClr val="C00000"/>
+                </a:solidFill>
+              </a:rPr>
+              <a:t>:</a:t>
+            </a:r>
+          </a:p>
+          <a:p>
+            <a:pPr marL="0" indent="0">
+              <a:buNone/>
+            </a:pPr>
+            <a:r>
+              <a:rPr lang="en-IN" sz="3200" b="1" dirty="0"/>
+              <a:t>Introduction:</a:t>
+            </a:r>
+            <a:r>
+              <a:rPr lang="en-IN" sz="3200" dirty="0"/>
+              <a:t> Features and advantages of Node JS, Traditional Web Server Model, Node.js Process Model, Asynchronous programming with Node.js, Types of applications that can be developed using Node.js. </a:t>
+            </a:r>
+          </a:p>
+          <a:p>
+            <a:pPr marL="0" indent="0">
+              <a:buNone/>
+            </a:pPr>
+            <a:r>
+              <a:rPr lang="en-IN" sz="3200" b="1" dirty="0"/>
+              <a:t>Setup Development Environment:</a:t>
+            </a:r>
+            <a:r>
+              <a:rPr lang="en-IN" sz="3200" dirty="0"/>
+              <a:t> Install Node.js on Windows, working in REPL, Node JS Console, Creating a Node File with JavaScript, Accessing a Node.js File Through the Command Line Interface, Using Node.js in Net- Beans IDE. </a:t>
+            </a:r>
+          </a:p>
+        </p:txBody>
+      </p:sp>
+    </p:spTree>
+    <p:extLst>
+      <p:ext uri="{BB962C8B-B14F-4D97-AF65-F5344CB8AC3E}">
+        <p14:creationId xmlns:p14="http://schemas.microsoft.com/office/powerpoint/2010/main" val="1403488016"/>
       </p:ext>
     </p:extLst>
   </p:cSld>
@@ -19324,8 +19244,8 @@
         </p:nvSpPr>
         <p:spPr>
           <a:xfrm>
-            <a:off x="2804711" y="1407271"/>
-            <a:ext cx="6936494" cy="707886"/>
+            <a:off x="3829870" y="1418156"/>
+            <a:ext cx="4532260" cy="707886"/>
           </a:xfrm>
           <a:prstGeom prst="rect">
             <a:avLst/>
@@ -19352,7 +19272,7 @@
                   <a:srgbClr val="002060"/>
                 </a:solidFill>
               </a:rPr>
-              <a:t>Introduction to Node.js</a:t>
+              <a:t>Introduction</a:t>
             </a:r>
             <a:endParaRPr lang="en-IN" sz="4000" dirty="0"/>
           </a:p>
